--- a/MSDS670_X40_Data Visualization_AssignmentWk4 - Ilse Severance.pptx
+++ b/MSDS670_X40_Data Visualization_AssignmentWk4 - Ilse Severance.pptx
@@ -19110,7 +19110,7 @@
           <a:p>
             <a:r>
               <a:rPr lang="en-US" dirty="0"/>
-              <a:t>Overview</a:t>
+              <a:t>Introduction</a:t>
             </a:r>
           </a:p>
         </p:txBody>
@@ -19264,8 +19264,8 @@
         </p:nvSpPr>
         <p:spPr>
           <a:xfrm>
-            <a:off x="7039896" y="2058271"/>
-            <a:ext cx="4778478" cy="3280646"/>
+            <a:off x="7049729" y="2246312"/>
+            <a:ext cx="4778478" cy="3509964"/>
           </a:xfrm>
         </p:spPr>
         <p:txBody>
@@ -19274,12 +19274,21 @@
           </a:bodyPr>
           <a:lstStyle/>
           <a:p>
-            <a:pPr marL="0" indent="0">
-              <a:buNone/>
-            </a:pPr>
             <a:r>
-              <a:rPr lang="en-US" dirty="0"/>
-              <a:t>The comparison of average purchase amounts shows minimal differences between genders. This indicates that per-transaction spending averages are consistent, and the gender skew only influences volume.</a:t>
+              <a:rPr lang="en-US" sz="2400" dirty="0"/>
+              <a:t>The average purchase amount shows minimal differences between genders.</a:t>
+            </a:r>
+          </a:p>
+          <a:p>
+            <a:r>
+              <a:rPr lang="en-US" sz="2400" dirty="0"/>
+              <a:t>Per-transaction spending remains consistent regardless of gender.</a:t>
+            </a:r>
+          </a:p>
+          <a:p>
+            <a:r>
+              <a:rPr lang="en-US" sz="2400" dirty="0"/>
+              <a:t>Gender differences affect purchase volume, not the amount spent per transaction.</a:t>
             </a:r>
           </a:p>
         </p:txBody>
@@ -19424,20 +19433,31 @@
         </p:nvSpPr>
         <p:spPr>
           <a:xfrm>
-            <a:off x="7620000" y="1825624"/>
-            <a:ext cx="4314134" cy="4408027"/>
+            <a:off x="7620000" y="2061650"/>
+            <a:ext cx="4314134" cy="3867430"/>
           </a:xfrm>
         </p:spPr>
         <p:txBody>
-          <a:bodyPr/>
+          <a:bodyPr>
+            <a:normAutofit/>
+          </a:bodyPr>
           <a:lstStyle/>
           <a:p>
-            <a:pPr marL="0" indent="0">
-              <a:buNone/>
-            </a:pPr>
             <a:r>
-              <a:rPr lang="en-US" dirty="0"/>
-              <a:t>Spending differences are driven more by purchase frequency than by gender. While males tend to spend slightly more on frequent purchases, females appear to spend more per transaction, but less frequent. </a:t>
+              <a:rPr lang="en-US" sz="2400" dirty="0"/>
+              <a:t>Overall spending differences are influenced more by purchase frequency than by gender itself.</a:t>
+            </a:r>
+          </a:p>
+          <a:p>
+            <a:r>
+              <a:rPr lang="en-US" sz="2400" dirty="0"/>
+              <a:t>Males tend to spend slightly more due to making purchases more frequently.</a:t>
+            </a:r>
+          </a:p>
+          <a:p>
+            <a:r>
+              <a:rPr lang="en-US" sz="2400" dirty="0"/>
+              <a:t>Females generally spend more per transaction but shop less often.</a:t>
             </a:r>
           </a:p>
         </p:txBody>
@@ -19555,8 +19575,8 @@
         </p:nvSpPr>
         <p:spPr>
           <a:xfrm>
-            <a:off x="7631907" y="2045109"/>
-            <a:ext cx="4404851" cy="4552335"/>
+            <a:off x="7631907" y="2256388"/>
+            <a:ext cx="4404851" cy="3910294"/>
           </a:xfrm>
         </p:spPr>
         <p:txBody>
@@ -19565,21 +19585,21 @@
           </a:bodyPr>
           <a:lstStyle/>
           <a:p>
-            <a:pPr marL="0" indent="0">
-              <a:buNone/>
-            </a:pPr>
             <a:r>
-              <a:rPr lang="en-US" dirty="0"/>
-              <a:t>Gender differences in purchase amount are small across categories. </a:t>
+              <a:rPr lang="en-US" sz="2400" dirty="0"/>
+              <a:t>Purchase amount differences between genders are minimal across most categories.</a:t>
             </a:r>
           </a:p>
           <a:p>
-            <a:pPr marL="0" indent="0">
-              <a:buNone/>
-            </a:pPr>
             <a:r>
-              <a:rPr lang="en-US" dirty="0"/>
-              <a:t>The only notable difference is in the Outerwear category. However, the minor variation of ~2 dollars suggests that there is not a gender-based difference in spending.</a:t>
+              <a:rPr lang="en-US" sz="2400" dirty="0"/>
+              <a:t>The only noticeable variation appears in the Outwear category.</a:t>
+            </a:r>
+          </a:p>
+          <a:p>
+            <a:r>
+              <a:rPr lang="en-US" sz="2400" dirty="0"/>
+              <a:t>However, the small difference of ~ 2 dollars indicates no meaningful gender-based spending gap.</a:t>
             </a:r>
           </a:p>
         </p:txBody>
@@ -19690,20 +19710,31 @@
         </p:nvSpPr>
         <p:spPr>
           <a:xfrm>
-            <a:off x="7236542" y="1825625"/>
-            <a:ext cx="4493342" cy="4351338"/>
+            <a:off x="7098890" y="2051447"/>
+            <a:ext cx="4825180" cy="3434633"/>
           </a:xfrm>
         </p:spPr>
         <p:txBody>
-          <a:bodyPr/>
+          <a:bodyPr>
+            <a:normAutofit/>
+          </a:bodyPr>
           <a:lstStyle/>
           <a:p>
-            <a:pPr marL="0" indent="0">
-              <a:buNone/>
-            </a:pPr>
             <a:r>
-              <a:rPr lang="en-US" dirty="0"/>
-              <a:t>Female customers do not purchase with discounts, while male customers are more likely to use discounts. This explains the lower average purchase amount for males and suggests that discounts impact spending more than gender.</a:t>
+              <a:rPr lang="en-US" sz="2400" dirty="0"/>
+              <a:t>Female customers are less likely to purchase items with discounts.</a:t>
+            </a:r>
+          </a:p>
+          <a:p>
+            <a:r>
+              <a:rPr lang="en-US" sz="2400" dirty="0"/>
+              <a:t>Male customers are more likely to use discounts when shopping.</a:t>
+            </a:r>
+          </a:p>
+          <a:p>
+            <a:r>
+              <a:rPr lang="en-US" sz="2400" dirty="0"/>
+              <a:t>The lower average purchase amount among males suggests discounts influence spending more than gender differences.</a:t>
             </a:r>
           </a:p>
         </p:txBody>

--- a/MSDS670_X40_Data Visualization_AssignmentWk4 - Ilse Severance.pptx
+++ b/MSDS670_X40_Data Visualization_AssignmentWk4 - Ilse Severance.pptx
@@ -15170,6 +15170,90 @@
           <a:p>
             <a:fld id="{11B0D897-4B1D-4EA9-9658-B5FBAAD0046D}" type="slidenum">
               <a:rPr lang="en-US" smtClean="0"/>
+              <a:t>1</a:t>
+            </a:fld>
+            <a:endParaRPr lang="en-US"/>
+          </a:p>
+        </p:txBody>
+      </p:sp>
+    </p:spTree>
+    <p:extLst>
+      <p:ext uri="{BB962C8B-B14F-4D97-AF65-F5344CB8AC3E}">
+        <p14:creationId xmlns:p14="http://schemas.microsoft.com/office/powerpoint/2010/main" val="1078340535"/>
+      </p:ext>
+    </p:extLst>
+  </p:cSld>
+  <p:clrMapOvr>
+    <a:masterClrMapping/>
+  </p:clrMapOvr>
+</p:notes>
+</file>
+
+<file path=ppt/notesSlides/notesSlide2.xml><?xml version="1.0" encoding="utf-8"?>
+<p:notes xmlns:a="http://schemas.openxmlformats.org/drawingml/2006/main" xmlns:r="http://schemas.openxmlformats.org/officeDocument/2006/relationships" xmlns:p="http://schemas.openxmlformats.org/presentationml/2006/main">
+  <p:cSld>
+    <p:spTree>
+      <p:nvGrpSpPr>
+        <p:cNvPr id="1" name=""/>
+        <p:cNvGrpSpPr/>
+        <p:nvPr/>
+      </p:nvGrpSpPr>
+      <p:grpSpPr>
+        <a:xfrm>
+          <a:off x="0" y="0"/>
+          <a:ext cx="0" cy="0"/>
+          <a:chOff x="0" y="0"/>
+          <a:chExt cx="0" cy="0"/>
+        </a:xfrm>
+      </p:grpSpPr>
+      <p:sp>
+        <p:nvSpPr>
+          <p:cNvPr id="2" name="Slide Image Placeholder 1"/>
+          <p:cNvSpPr>
+            <a:spLocks noGrp="1" noRot="1" noChangeAspect="1"/>
+          </p:cNvSpPr>
+          <p:nvPr>
+            <p:ph type="sldImg"/>
+          </p:nvPr>
+        </p:nvSpPr>
+        <p:spPr/>
+      </p:sp>
+      <p:sp>
+        <p:nvSpPr>
+          <p:cNvPr id="3" name="Notes Placeholder 2"/>
+          <p:cNvSpPr>
+            <a:spLocks noGrp="1"/>
+          </p:cNvSpPr>
+          <p:nvPr>
+            <p:ph type="body" idx="1"/>
+          </p:nvPr>
+        </p:nvSpPr>
+        <p:spPr/>
+        <p:txBody>
+          <a:bodyPr/>
+          <a:lstStyle/>
+          <a:p>
+            <a:endParaRPr lang="en-US" dirty="0"/>
+          </a:p>
+        </p:txBody>
+      </p:sp>
+      <p:sp>
+        <p:nvSpPr>
+          <p:cNvPr id="4" name="Slide Number Placeholder 3"/>
+          <p:cNvSpPr>
+            <a:spLocks noGrp="1"/>
+          </p:cNvSpPr>
+          <p:nvPr>
+            <p:ph type="sldNum" sz="quarter" idx="5"/>
+          </p:nvPr>
+        </p:nvSpPr>
+        <p:spPr/>
+        <p:txBody>
+          <a:bodyPr/>
+          <a:lstStyle/>
+          <a:p>
+            <a:fld id="{11B0D897-4B1D-4EA9-9658-B5FBAAD0046D}" type="slidenum">
+              <a:rPr lang="en-US" smtClean="0"/>
               <a:t>2</a:t>
             </a:fld>
             <a:endParaRPr lang="en-US"/>
@@ -15180,6 +15264,392 @@
     <p:extLst>
       <p:ext uri="{BB962C8B-B14F-4D97-AF65-F5344CB8AC3E}">
         <p14:creationId xmlns:p14="http://schemas.microsoft.com/office/powerpoint/2010/main" val="155783447"/>
+      </p:ext>
+    </p:extLst>
+  </p:cSld>
+  <p:clrMapOvr>
+    <a:masterClrMapping/>
+  </p:clrMapOvr>
+</p:notes>
+</file>
+
+<file path=ppt/notesSlides/notesSlide3.xml><?xml version="1.0" encoding="utf-8"?>
+<p:notes xmlns:a="http://schemas.openxmlformats.org/drawingml/2006/main" xmlns:r="http://schemas.openxmlformats.org/officeDocument/2006/relationships" xmlns:p="http://schemas.openxmlformats.org/presentationml/2006/main">
+  <p:cSld>
+    <p:spTree>
+      <p:nvGrpSpPr>
+        <p:cNvPr id="1" name=""/>
+        <p:cNvGrpSpPr/>
+        <p:nvPr/>
+      </p:nvGrpSpPr>
+      <p:grpSpPr>
+        <a:xfrm>
+          <a:off x="0" y="0"/>
+          <a:ext cx="0" cy="0"/>
+          <a:chOff x="0" y="0"/>
+          <a:chExt cx="0" cy="0"/>
+        </a:xfrm>
+      </p:grpSpPr>
+      <p:sp>
+        <p:nvSpPr>
+          <p:cNvPr id="2" name="Slide Image Placeholder 1"/>
+          <p:cNvSpPr>
+            <a:spLocks noGrp="1" noRot="1" noChangeAspect="1"/>
+          </p:cNvSpPr>
+          <p:nvPr>
+            <p:ph type="sldImg"/>
+          </p:nvPr>
+        </p:nvSpPr>
+        <p:spPr/>
+      </p:sp>
+      <p:sp>
+        <p:nvSpPr>
+          <p:cNvPr id="3" name="Notes Placeholder 2"/>
+          <p:cNvSpPr>
+            <a:spLocks noGrp="1"/>
+          </p:cNvSpPr>
+          <p:nvPr>
+            <p:ph type="body" idx="1"/>
+          </p:nvPr>
+        </p:nvSpPr>
+        <p:spPr/>
+        <p:txBody>
+          <a:bodyPr/>
+          <a:lstStyle/>
+          <a:p>
+            <a:pPr marL="0" marR="0" lvl="0" indent="0" algn="l" defTabSz="914400" rtl="0" eaLnBrk="1" fontAlgn="auto" latinLnBrk="0" hangingPunct="1">
+              <a:lnSpc>
+                <a:spcPct val="100000"/>
+              </a:lnSpc>
+              <a:spcBef>
+                <a:spcPts val="0"/>
+              </a:spcBef>
+              <a:spcAft>
+                <a:spcPts val="0"/>
+              </a:spcAft>
+              <a:buClrTx/>
+              <a:buSzTx/>
+              <a:buFontTx/>
+              <a:buNone/>
+              <a:tabLst/>
+              <a:defRPr/>
+            </a:pPr>
+            <a:endParaRPr lang="en-US" sz="1200" kern="1200" dirty="0">
+              <a:solidFill>
+                <a:schemeClr val="tx1"/>
+              </a:solidFill>
+              <a:effectLst/>
+              <a:latin typeface="+mn-lt"/>
+              <a:ea typeface="+mn-ea"/>
+              <a:cs typeface="+mn-cs"/>
+            </a:endParaRPr>
+          </a:p>
+        </p:txBody>
+      </p:sp>
+      <p:sp>
+        <p:nvSpPr>
+          <p:cNvPr id="4" name="Slide Number Placeholder 3"/>
+          <p:cNvSpPr>
+            <a:spLocks noGrp="1"/>
+          </p:cNvSpPr>
+          <p:nvPr>
+            <p:ph type="sldNum" sz="quarter" idx="5"/>
+          </p:nvPr>
+        </p:nvSpPr>
+        <p:spPr/>
+        <p:txBody>
+          <a:bodyPr/>
+          <a:lstStyle/>
+          <a:p>
+            <a:fld id="{11B0D897-4B1D-4EA9-9658-B5FBAAD0046D}" type="slidenum">
+              <a:rPr lang="en-US" smtClean="0"/>
+              <a:t>3</a:t>
+            </a:fld>
+            <a:endParaRPr lang="en-US"/>
+          </a:p>
+        </p:txBody>
+      </p:sp>
+    </p:spTree>
+    <p:extLst>
+      <p:ext uri="{BB962C8B-B14F-4D97-AF65-F5344CB8AC3E}">
+        <p14:creationId xmlns:p14="http://schemas.microsoft.com/office/powerpoint/2010/main" val="143129638"/>
+      </p:ext>
+    </p:extLst>
+  </p:cSld>
+  <p:clrMapOvr>
+    <a:masterClrMapping/>
+  </p:clrMapOvr>
+</p:notes>
+</file>
+
+<file path=ppt/notesSlides/notesSlide4.xml><?xml version="1.0" encoding="utf-8"?>
+<p:notes xmlns:a="http://schemas.openxmlformats.org/drawingml/2006/main" xmlns:r="http://schemas.openxmlformats.org/officeDocument/2006/relationships" xmlns:p="http://schemas.openxmlformats.org/presentationml/2006/main">
+  <p:cSld>
+    <p:spTree>
+      <p:nvGrpSpPr>
+        <p:cNvPr id="1" name=""/>
+        <p:cNvGrpSpPr/>
+        <p:nvPr/>
+      </p:nvGrpSpPr>
+      <p:grpSpPr>
+        <a:xfrm>
+          <a:off x="0" y="0"/>
+          <a:ext cx="0" cy="0"/>
+          <a:chOff x="0" y="0"/>
+          <a:chExt cx="0" cy="0"/>
+        </a:xfrm>
+      </p:grpSpPr>
+      <p:sp>
+        <p:nvSpPr>
+          <p:cNvPr id="2" name="Slide Image Placeholder 1"/>
+          <p:cNvSpPr>
+            <a:spLocks noGrp="1" noRot="1" noChangeAspect="1"/>
+          </p:cNvSpPr>
+          <p:nvPr>
+            <p:ph type="sldImg"/>
+          </p:nvPr>
+        </p:nvSpPr>
+        <p:spPr/>
+      </p:sp>
+      <p:sp>
+        <p:nvSpPr>
+          <p:cNvPr id="3" name="Notes Placeholder 2"/>
+          <p:cNvSpPr>
+            <a:spLocks noGrp="1"/>
+          </p:cNvSpPr>
+          <p:nvPr>
+            <p:ph type="body" idx="1"/>
+          </p:nvPr>
+        </p:nvSpPr>
+        <p:spPr/>
+        <p:txBody>
+          <a:bodyPr/>
+          <a:lstStyle/>
+          <a:p>
+            <a:endParaRPr lang="en-US" dirty="0"/>
+          </a:p>
+        </p:txBody>
+      </p:sp>
+      <p:sp>
+        <p:nvSpPr>
+          <p:cNvPr id="4" name="Slide Number Placeholder 3"/>
+          <p:cNvSpPr>
+            <a:spLocks noGrp="1"/>
+          </p:cNvSpPr>
+          <p:nvPr>
+            <p:ph type="sldNum" sz="quarter" idx="5"/>
+          </p:nvPr>
+        </p:nvSpPr>
+        <p:spPr/>
+        <p:txBody>
+          <a:bodyPr/>
+          <a:lstStyle/>
+          <a:p>
+            <a:fld id="{11B0D897-4B1D-4EA9-9658-B5FBAAD0046D}" type="slidenum">
+              <a:rPr lang="en-US" smtClean="0"/>
+              <a:t>4</a:t>
+            </a:fld>
+            <a:endParaRPr lang="en-US"/>
+          </a:p>
+        </p:txBody>
+      </p:sp>
+    </p:spTree>
+    <p:extLst>
+      <p:ext uri="{BB962C8B-B14F-4D97-AF65-F5344CB8AC3E}">
+        <p14:creationId xmlns:p14="http://schemas.microsoft.com/office/powerpoint/2010/main" val="2443157581"/>
+      </p:ext>
+    </p:extLst>
+  </p:cSld>
+  <p:clrMapOvr>
+    <a:masterClrMapping/>
+  </p:clrMapOvr>
+</p:notes>
+</file>
+
+<file path=ppt/notesSlides/notesSlide5.xml><?xml version="1.0" encoding="utf-8"?>
+<p:notes xmlns:a="http://schemas.openxmlformats.org/drawingml/2006/main" xmlns:r="http://schemas.openxmlformats.org/officeDocument/2006/relationships" xmlns:p="http://schemas.openxmlformats.org/presentationml/2006/main">
+  <p:cSld>
+    <p:spTree>
+      <p:nvGrpSpPr>
+        <p:cNvPr id="1" name=""/>
+        <p:cNvGrpSpPr/>
+        <p:nvPr/>
+      </p:nvGrpSpPr>
+      <p:grpSpPr>
+        <a:xfrm>
+          <a:off x="0" y="0"/>
+          <a:ext cx="0" cy="0"/>
+          <a:chOff x="0" y="0"/>
+          <a:chExt cx="0" cy="0"/>
+        </a:xfrm>
+      </p:grpSpPr>
+      <p:sp>
+        <p:nvSpPr>
+          <p:cNvPr id="2" name="Slide Image Placeholder 1"/>
+          <p:cNvSpPr>
+            <a:spLocks noGrp="1" noRot="1" noChangeAspect="1"/>
+          </p:cNvSpPr>
+          <p:nvPr>
+            <p:ph type="sldImg"/>
+          </p:nvPr>
+        </p:nvSpPr>
+        <p:spPr/>
+      </p:sp>
+      <p:sp>
+        <p:nvSpPr>
+          <p:cNvPr id="3" name="Notes Placeholder 2"/>
+          <p:cNvSpPr>
+            <a:spLocks noGrp="1"/>
+          </p:cNvSpPr>
+          <p:nvPr>
+            <p:ph type="body" idx="1"/>
+          </p:nvPr>
+        </p:nvSpPr>
+        <p:spPr/>
+        <p:txBody>
+          <a:bodyPr/>
+          <a:lstStyle/>
+          <a:p>
+            <a:endParaRPr lang="en-US" dirty="0"/>
+          </a:p>
+        </p:txBody>
+      </p:sp>
+      <p:sp>
+        <p:nvSpPr>
+          <p:cNvPr id="4" name="Slide Number Placeholder 3"/>
+          <p:cNvSpPr>
+            <a:spLocks noGrp="1"/>
+          </p:cNvSpPr>
+          <p:nvPr>
+            <p:ph type="sldNum" sz="quarter" idx="5"/>
+          </p:nvPr>
+        </p:nvSpPr>
+        <p:spPr/>
+        <p:txBody>
+          <a:bodyPr/>
+          <a:lstStyle/>
+          <a:p>
+            <a:fld id="{11B0D897-4B1D-4EA9-9658-B5FBAAD0046D}" type="slidenum">
+              <a:rPr lang="en-US" smtClean="0"/>
+              <a:t>5</a:t>
+            </a:fld>
+            <a:endParaRPr lang="en-US"/>
+          </a:p>
+        </p:txBody>
+      </p:sp>
+    </p:spTree>
+    <p:extLst>
+      <p:ext uri="{BB962C8B-B14F-4D97-AF65-F5344CB8AC3E}">
+        <p14:creationId xmlns:p14="http://schemas.microsoft.com/office/powerpoint/2010/main" val="874257234"/>
+      </p:ext>
+    </p:extLst>
+  </p:cSld>
+  <p:clrMapOvr>
+    <a:masterClrMapping/>
+  </p:clrMapOvr>
+</p:notes>
+</file>
+
+<file path=ppt/notesSlides/notesSlide6.xml><?xml version="1.0" encoding="utf-8"?>
+<p:notes xmlns:a="http://schemas.openxmlformats.org/drawingml/2006/main" xmlns:r="http://schemas.openxmlformats.org/officeDocument/2006/relationships" xmlns:p="http://schemas.openxmlformats.org/presentationml/2006/main">
+  <p:cSld>
+    <p:spTree>
+      <p:nvGrpSpPr>
+        <p:cNvPr id="1" name=""/>
+        <p:cNvGrpSpPr/>
+        <p:nvPr/>
+      </p:nvGrpSpPr>
+      <p:grpSpPr>
+        <a:xfrm>
+          <a:off x="0" y="0"/>
+          <a:ext cx="0" cy="0"/>
+          <a:chOff x="0" y="0"/>
+          <a:chExt cx="0" cy="0"/>
+        </a:xfrm>
+      </p:grpSpPr>
+      <p:sp>
+        <p:nvSpPr>
+          <p:cNvPr id="2" name="Slide Image Placeholder 1"/>
+          <p:cNvSpPr>
+            <a:spLocks noGrp="1" noRot="1" noChangeAspect="1"/>
+          </p:cNvSpPr>
+          <p:nvPr>
+            <p:ph type="sldImg"/>
+          </p:nvPr>
+        </p:nvSpPr>
+        <p:spPr/>
+      </p:sp>
+      <p:sp>
+        <p:nvSpPr>
+          <p:cNvPr id="3" name="Notes Placeholder 2"/>
+          <p:cNvSpPr>
+            <a:spLocks noGrp="1"/>
+          </p:cNvSpPr>
+          <p:nvPr>
+            <p:ph type="body" idx="1"/>
+          </p:nvPr>
+        </p:nvSpPr>
+        <p:spPr/>
+        <p:txBody>
+          <a:bodyPr/>
+          <a:lstStyle/>
+          <a:p>
+            <a:pPr marL="0" marR="0" lvl="0" indent="0" algn="l" defTabSz="914400" rtl="0" eaLnBrk="1" fontAlgn="auto" latinLnBrk="0" hangingPunct="1">
+              <a:lnSpc>
+                <a:spcPct val="100000"/>
+              </a:lnSpc>
+              <a:spcBef>
+                <a:spcPts val="0"/>
+              </a:spcBef>
+              <a:spcAft>
+                <a:spcPts val="0"/>
+              </a:spcAft>
+              <a:buClrTx/>
+              <a:buSzTx/>
+              <a:buFontTx/>
+              <a:buNone/>
+              <a:tabLst/>
+              <a:defRPr/>
+            </a:pPr>
+            <a:endParaRPr lang="en-US" sz="1200" kern="1200" dirty="0">
+              <a:solidFill>
+                <a:schemeClr val="tx1"/>
+              </a:solidFill>
+              <a:effectLst/>
+              <a:latin typeface="+mn-lt"/>
+              <a:ea typeface="+mn-ea"/>
+              <a:cs typeface="+mn-cs"/>
+            </a:endParaRPr>
+          </a:p>
+        </p:txBody>
+      </p:sp>
+      <p:sp>
+        <p:nvSpPr>
+          <p:cNvPr id="4" name="Slide Number Placeholder 3"/>
+          <p:cNvSpPr>
+            <a:spLocks noGrp="1"/>
+          </p:cNvSpPr>
+          <p:nvPr>
+            <p:ph type="sldNum" sz="quarter" idx="5"/>
+          </p:nvPr>
+        </p:nvSpPr>
+        <p:spPr/>
+        <p:txBody>
+          <a:bodyPr/>
+          <a:lstStyle/>
+          <a:p>
+            <a:fld id="{11B0D897-4B1D-4EA9-9658-B5FBAAD0046D}" type="slidenum">
+              <a:rPr lang="en-US" smtClean="0"/>
+              <a:t>6</a:t>
+            </a:fld>
+            <a:endParaRPr lang="en-US"/>
+          </a:p>
+        </p:txBody>
+      </p:sp>
+    </p:spTree>
+    <p:extLst>
+      <p:ext uri="{BB962C8B-B14F-4D97-AF65-F5344CB8AC3E}">
+        <p14:creationId xmlns:p14="http://schemas.microsoft.com/office/powerpoint/2010/main" val="4075752546"/>
       </p:ext>
     </p:extLst>
   </p:cSld>
@@ -19264,19 +19734,19 @@
         </p:nvSpPr>
         <p:spPr>
           <a:xfrm>
-            <a:off x="7049729" y="2246312"/>
+            <a:off x="7059562" y="2246312"/>
             <a:ext cx="4778478" cy="3509964"/>
           </a:xfrm>
         </p:spPr>
         <p:txBody>
           <a:bodyPr>
-            <a:normAutofit/>
+            <a:normAutofit lnSpcReduction="10000"/>
           </a:bodyPr>
           <a:lstStyle/>
           <a:p>
             <a:r>
               <a:rPr lang="en-US" sz="2400" dirty="0"/>
-              <a:t>The average purchase amount shows minimal differences between genders.</a:t>
+              <a:t>The comparison of average purchase amount shows minimal differences between genders.</a:t>
             </a:r>
           </a:p>
           <a:p>
@@ -19288,7 +19758,7 @@
           <a:p>
             <a:r>
               <a:rPr lang="en-US" sz="2400" dirty="0"/>
-              <a:t>Gender differences affect purchase volume, not the amount spent per transaction.</a:t>
+              <a:t>Gender differences seem to affect purchase volume, not the amount spent per transaction.</a:t>
             </a:r>
           </a:p>
         </p:txBody>
@@ -19319,7 +19789,7 @@
             </p:xfrm>
             <a:graphic>
               <a:graphicData uri="http://schemas.microsoft.com/office/drawing/2014/chartex">
-                <cx:chart xmlns:cx="http://schemas.microsoft.com/office/drawing/2014/chartex" xmlns:r="http://schemas.openxmlformats.org/officeDocument/2006/relationships" r:id="rId2"/>
+                <cx:chart xmlns:cx="http://schemas.microsoft.com/office/drawing/2014/chartex" xmlns:r="http://schemas.openxmlformats.org/officeDocument/2006/relationships" r:id="rId3"/>
               </a:graphicData>
             </a:graphic>
           </p:graphicFrame>
@@ -19340,7 +19810,7 @@
               <p:nvPr/>
             </p:nvPicPr>
             <p:blipFill>
-              <a:blip r:embed="rId3"/>
+              <a:blip r:embed="rId4"/>
               <a:stretch>
                 <a:fillRect/>
               </a:stretch>
@@ -19451,7 +19921,7 @@
           <a:p>
             <a:r>
               <a:rPr lang="en-US" sz="2400" dirty="0"/>
-              <a:t>Males tend to spend slightly more due to making purchases more frequently.</a:t>
+              <a:t>Males tend to spend slightly more, making purchases more frequently.</a:t>
             </a:r>
           </a:p>
           <a:p>
@@ -19488,7 +19958,7 @@
         </p:xfrm>
         <a:graphic>
           <a:graphicData uri="http://schemas.openxmlformats.org/drawingml/2006/chart">
-            <c:chart xmlns:c="http://schemas.openxmlformats.org/drawingml/2006/chart" xmlns:r="http://schemas.openxmlformats.org/officeDocument/2006/relationships" r:id="rId2"/>
+            <c:chart xmlns:c="http://schemas.openxmlformats.org/drawingml/2006/chart" xmlns:r="http://schemas.openxmlformats.org/officeDocument/2006/relationships" r:id="rId3"/>
           </a:graphicData>
         </a:graphic>
       </p:graphicFrame>
@@ -19630,7 +20100,7 @@
         </p:xfrm>
         <a:graphic>
           <a:graphicData uri="http://schemas.openxmlformats.org/drawingml/2006/chart">
-            <c:chart xmlns:c="http://schemas.openxmlformats.org/drawingml/2006/chart" xmlns:r="http://schemas.openxmlformats.org/officeDocument/2006/relationships" r:id="rId2"/>
+            <c:chart xmlns:c="http://schemas.openxmlformats.org/drawingml/2006/chart" xmlns:r="http://schemas.openxmlformats.org/officeDocument/2006/relationships" r:id="rId3"/>
           </a:graphicData>
         </a:graphic>
       </p:graphicFrame>
@@ -19765,7 +20235,7 @@
         </p:xfrm>
         <a:graphic>
           <a:graphicData uri="http://schemas.openxmlformats.org/drawingml/2006/chart">
-            <c:chart xmlns:c="http://schemas.openxmlformats.org/drawingml/2006/chart" xmlns:r="http://schemas.openxmlformats.org/officeDocument/2006/relationships" r:id="rId2"/>
+            <c:chart xmlns:c="http://schemas.openxmlformats.org/drawingml/2006/chart" xmlns:r="http://schemas.openxmlformats.org/officeDocument/2006/relationships" r:id="rId3"/>
           </a:graphicData>
         </a:graphic>
       </p:graphicFrame>
@@ -19863,7 +20333,7 @@
             </a:pPr>
             <a:r>
               <a:rPr lang="en-US" dirty="0"/>
-              <a:t>The dataset is heavily male influenced, but this does not appear to have an impact in spending behavior. Average purchase amounts and spending distributions are similar across board. </a:t>
+              <a:t>The dataset is heavily male influenced, but this does not appear to have an impact in spending behavior, as average purchase amounts and spending distributions are similar across board. </a:t>
             </a:r>
           </a:p>
           <a:p>
@@ -19872,7 +20342,7 @@
             </a:pPr>
             <a:r>
               <a:rPr lang="en-US" dirty="0"/>
-              <a:t>Differences in total revenue are primary due to customer volume, not spending behavior with the primary influence on spending differences being discount usage. </a:t>
+              <a:t>Differences in total revenue are primary due to customer volume with the influence on discount usage rather than inherent spending behavior. </a:t>
             </a:r>
           </a:p>
           <a:p>
@@ -19881,7 +20351,7 @@
             </a:pPr>
             <a:r>
               <a:rPr lang="en-US" dirty="0"/>
-              <a:t>The analysis suggests that marketing and discount strategies should focus on attracting a larger female customer base to increase revenue </a:t>
+              <a:t>The analysis suggests that marketing and discount strategies should focus on attracting a larger female customer to increase overall revenue.</a:t>
             </a:r>
           </a:p>
         </p:txBody>
